--- a/SchulungsUnterlagen/BZU/231_Einführung_Grundlagen_01.pptx
+++ b/SchulungsUnterlagen/BZU/231_Einführung_Grundlagen_01.pptx
@@ -279,7 +279,7 @@
           <a:p>
             <a:fld id="{1D8BD707-D9CF-40AE-B4C6-C98DA3205C09}" type="datetimeFigureOut">
               <a:rPr lang="en-US"/>
-              <a:t>8/6/2021</a:t>
+              <a:t>8/8/2021</a:t>
             </a:fld>
             <a:endParaRPr lang="en-US"/>
           </a:p>
@@ -478,7 +478,7 @@
           <a:p>
             <a:fld id="{1D8BD707-D9CF-40AE-B4C6-C98DA3205C09}" type="datetimeFigureOut">
               <a:rPr lang="en-US"/>
-              <a:t>8/6/2021</a:t>
+              <a:t>8/8/2021</a:t>
             </a:fld>
             <a:endParaRPr lang="en-US"/>
           </a:p>
@@ -714,7 +714,7 @@
           <a:p>
             <a:fld id="{1D8BD707-D9CF-40AE-B4C6-C98DA3205C09}" type="datetimeFigureOut">
               <a:rPr lang="en-US"/>
-              <a:t>8/6/2021</a:t>
+              <a:t>8/8/2021</a:t>
             </a:fld>
             <a:endParaRPr lang="en-US"/>
           </a:p>
@@ -1855,7 +1855,7 @@
           <a:p>
             <a:fld id="{1D8BD707-D9CF-40AE-B4C6-C98DA3205C09}" type="datetimeFigureOut">
               <a:rPr lang="en-US"/>
-              <a:t>8/6/2021</a:t>
+              <a:t>8/8/2021</a:t>
             </a:fld>
             <a:endParaRPr lang="en-US"/>
           </a:p>
@@ -1996,7 +1996,7 @@
           <a:p>
             <a:fld id="{1D8BD707-D9CF-40AE-B4C6-C98DA3205C09}" type="datetimeFigureOut">
               <a:rPr lang="en-US"/>
-              <a:t>8/6/2021</a:t>
+              <a:t>8/8/2021</a:t>
             </a:fld>
             <a:endParaRPr lang="en-US"/>
           </a:p>
@@ -3177,7 +3177,7 @@
           <a:p>
             <a:fld id="{1D8BD707-D9CF-40AE-B4C6-C98DA3205C09}" type="datetimeFigureOut">
               <a:rPr lang="en-US"/>
-              <a:t>8/6/2021</a:t>
+              <a:t>8/8/2021</a:t>
             </a:fld>
             <a:endParaRPr lang="en-US"/>
           </a:p>
@@ -10624,7 +10624,7 @@
         <p:spPr>
           <a:xfrm>
             <a:off x="1022176" y="1997075"/>
-            <a:ext cx="12887952" cy="2246769"/>
+            <a:ext cx="14506792" cy="2246769"/>
           </a:xfrm>
           <a:prstGeom prst="rect">
             <a:avLst/>
@@ -10677,7 +10677,19 @@
             </a:r>
             <a:r>
               <a:rPr lang="de-CH" sz="2800" dirty="0" smtClean="0"/>
-              <a:t>Bilder, filme, Musik, Statistische Daten</a:t>
+              <a:t>Bilder, </a:t>
+            </a:r>
+            <a:r>
+              <a:rPr lang="de-CH" sz="2800" dirty="0" smtClean="0"/>
+              <a:t>Filme</a:t>
+            </a:r>
+            <a:r>
+              <a:rPr lang="de-CH" sz="2800" dirty="0" smtClean="0"/>
+              <a:t>, Musik, Statistische </a:t>
+            </a:r>
+            <a:r>
+              <a:rPr lang="de-CH" sz="2800" dirty="0" smtClean="0"/>
+              <a:t>Daten, Software-Komponenten (z.B. Python Module)</a:t>
             </a:r>
             <a:endParaRPr lang="de-CH" sz="2800" dirty="0"/>
           </a:p>
@@ -10754,7 +10766,7 @@
         <p:spPr>
           <a:xfrm>
             <a:off x="831850" y="5148799"/>
-            <a:ext cx="12887952" cy="2246769"/>
+            <a:ext cx="18464735" cy="3539430"/>
           </a:xfrm>
           <a:prstGeom prst="rect">
             <a:avLst/>
@@ -10769,46 +10781,102 @@
           <a:p>
             <a:r>
               <a:rPr lang="de-CH" sz="2800" b="1" dirty="0" smtClean="0"/>
-              <a:t>Lizenzmodelle: </a:t>
+              <a:t>Allgemeine Geschäfts </a:t>
+            </a:r>
+            <a:r>
+              <a:rPr lang="de-CH" sz="2800" b="1" dirty="0"/>
+              <a:t>B</a:t>
+            </a:r>
+            <a:r>
+              <a:rPr lang="de-CH" sz="2800" b="1" dirty="0" smtClean="0"/>
+              <a:t>edingungen</a:t>
+            </a:r>
+          </a:p>
+          <a:p>
+            <a:r>
+              <a:rPr lang="de-CH" sz="2800" dirty="0"/>
+              <a:t>Facebook: </a:t>
+            </a:r>
+            <a:r>
+              <a:rPr lang="de-CH" sz="2800" dirty="0">
+                <a:hlinkClick r:id="rId3"/>
+              </a:rPr>
+              <a:t>https://de-de.facebook.com/policies_center</a:t>
+            </a:r>
+            <a:r>
+              <a:rPr lang="de-CH" sz="2800" dirty="0" smtClean="0">
+                <a:hlinkClick r:id="rId3"/>
+              </a:rPr>
+              <a:t>/</a:t>
+            </a:r>
+            <a:endParaRPr lang="de-CH" sz="2800" dirty="0" smtClean="0"/>
+          </a:p>
+          <a:p>
+            <a:r>
+              <a:rPr lang="de-CH" sz="2800" dirty="0" err="1" smtClean="0"/>
+              <a:t>WhatsUp</a:t>
+            </a:r>
+            <a:r>
+              <a:rPr lang="de-CH" sz="2800" dirty="0"/>
+              <a:t>: </a:t>
+            </a:r>
+            <a:r>
+              <a:rPr lang="de-CH" sz="2800" dirty="0">
+                <a:hlinkClick r:id="rId4"/>
+              </a:rPr>
+              <a:t>https://www.whatsapp.com/legal/?</a:t>
+            </a:r>
+            <a:r>
+              <a:rPr lang="de-CH" sz="2800" dirty="0" smtClean="0">
+                <a:hlinkClick r:id="rId4"/>
+              </a:rPr>
+              <a:t>lang=de</a:t>
+            </a:r>
+            <a:endParaRPr lang="de-CH" sz="2800" dirty="0" smtClean="0"/>
+          </a:p>
+          <a:p>
+            <a:r>
+              <a:rPr lang="de-CH" sz="2800" dirty="0"/>
+              <a:t>Instagram: </a:t>
+            </a:r>
+            <a:r>
+              <a:rPr lang="de-CH" sz="2800" dirty="0">
+                <a:hlinkClick r:id="rId5"/>
+              </a:rPr>
+              <a:t>https://</a:t>
+            </a:r>
+            <a:r>
+              <a:rPr lang="de-CH" sz="2800" dirty="0" smtClean="0">
+                <a:hlinkClick r:id="rId5"/>
+              </a:rPr>
+              <a:t>de-de.facebook.com/help/instagram/478745558852511</a:t>
+            </a:r>
+            <a:endParaRPr lang="de-CH" sz="2800" dirty="0" smtClean="0"/>
+          </a:p>
+          <a:p>
+            <a:r>
+              <a:rPr lang="de-CH" sz="2800" b="1" dirty="0" smtClean="0"/>
+              <a:t>……</a:t>
+            </a:r>
+          </a:p>
+          <a:p>
+            <a:endParaRPr lang="de-CH" sz="2800" b="1" dirty="0"/>
+          </a:p>
+          <a:p>
+            <a:r>
+              <a:rPr lang="de-CH" sz="2800" dirty="0" smtClean="0"/>
+              <a:t>Erstellen Sie in zweier Gruppen einen Zusammenfassung der AGB eines (</a:t>
+            </a:r>
+            <a:r>
+              <a:rPr lang="de-CH" sz="2800" dirty="0" err="1" smtClean="0"/>
+              <a:t>Application</a:t>
             </a:r>
             <a:r>
               <a:rPr lang="de-CH" sz="2800" dirty="0" smtClean="0"/>
-              <a:t>Kauf, Miete, Open-Source</a:t>
+              <a:t> Service Providers) ASP, den Sie nutzen! </a:t>
             </a:r>
           </a:p>
           <a:p>
-            <a:endParaRPr lang="de-CH" sz="2800" b="1" dirty="0"/>
-          </a:p>
-          <a:p>
-            <a:r>
-              <a:rPr lang="de-CH" sz="2800" b="1" dirty="0" smtClean="0"/>
-              <a:t>	Software: </a:t>
-            </a:r>
-            <a:r>
-              <a:rPr lang="de-CH" sz="2800" dirty="0" smtClean="0"/>
-              <a:t>MS-Office 365, Entwicklungs-Umgebungen (MySQL, </a:t>
-            </a:r>
-            <a:r>
-              <a:rPr lang="de-CH" sz="2800" dirty="0" err="1" smtClean="0"/>
-              <a:t>PyCharm</a:t>
-            </a:r>
-            <a:r>
-              <a:rPr lang="de-CH" sz="2800" dirty="0" smtClean="0"/>
-              <a:t>, Python)</a:t>
-            </a:r>
-          </a:p>
-          <a:p>
-            <a:endParaRPr lang="de-CH" sz="2800" b="1" dirty="0"/>
-          </a:p>
-          <a:p>
-            <a:r>
-              <a:rPr lang="de-CH" sz="2800" b="1" dirty="0" smtClean="0"/>
-              <a:t>	Daten: </a:t>
-            </a:r>
-            <a:r>
-              <a:rPr lang="de-CH" sz="2800" dirty="0" smtClean="0"/>
-              <a:t>Bilder, filme, Musik, Statistische Daten</a:t>
-            </a:r>
             <a:endParaRPr lang="de-CH" sz="2800" dirty="0"/>
           </a:p>
         </p:txBody>
